--- a/Slides/Course02/0201.pptx
+++ b/Slides/Course02/0201.pptx
@@ -317,7 +317,7 @@
           <a:p>
             <a:fld id="{5BCAD085-E8A6-8845-BD4E-CB4CCA059FC4}" type="datetimeFigureOut">
               <a:rPr lang="en-US" smtClean="0"/>
-              <a:t>1/13/2026</a:t>
+              <a:t>1/20/2026</a:t>
             </a:fld>
             <a:endParaRPr lang="en-US"/>
           </a:p>
@@ -485,7 +485,7 @@
           <a:p>
             <a:fld id="{5BCAD085-E8A6-8845-BD4E-CB4CCA059FC4}" type="datetimeFigureOut">
               <a:rPr lang="en-US" smtClean="0"/>
-              <a:t>1/13/2026</a:t>
+              <a:t>1/20/2026</a:t>
             </a:fld>
             <a:endParaRPr lang="en-US"/>
           </a:p>
@@ -663,7 +663,7 @@
           <a:p>
             <a:fld id="{5BCAD085-E8A6-8845-BD4E-CB4CCA059FC4}" type="datetimeFigureOut">
               <a:rPr lang="en-US" smtClean="0"/>
-              <a:t>1/13/2026</a:t>
+              <a:t>1/20/2026</a:t>
             </a:fld>
             <a:endParaRPr lang="en-US"/>
           </a:p>
@@ -831,7 +831,7 @@
           <a:p>
             <a:fld id="{5BCAD085-E8A6-8845-BD4E-CB4CCA059FC4}" type="datetimeFigureOut">
               <a:rPr lang="en-US" smtClean="0"/>
-              <a:t>1/13/2026</a:t>
+              <a:t>1/20/2026</a:t>
             </a:fld>
             <a:endParaRPr lang="en-US"/>
           </a:p>
@@ -1076,7 +1076,7 @@
           <a:p>
             <a:fld id="{5BCAD085-E8A6-8845-BD4E-CB4CCA059FC4}" type="datetimeFigureOut">
               <a:rPr lang="en-US" smtClean="0"/>
-              <a:t>1/13/2026</a:t>
+              <a:t>1/20/2026</a:t>
             </a:fld>
             <a:endParaRPr lang="en-US"/>
           </a:p>
@@ -1361,7 +1361,7 @@
           <a:p>
             <a:fld id="{5BCAD085-E8A6-8845-BD4E-CB4CCA059FC4}" type="datetimeFigureOut">
               <a:rPr lang="en-US" smtClean="0"/>
-              <a:t>1/13/2026</a:t>
+              <a:t>1/20/2026</a:t>
             </a:fld>
             <a:endParaRPr lang="en-US"/>
           </a:p>
@@ -1780,7 +1780,7 @@
           <a:p>
             <a:fld id="{5BCAD085-E8A6-8845-BD4E-CB4CCA059FC4}" type="datetimeFigureOut">
               <a:rPr lang="en-US" smtClean="0"/>
-              <a:t>1/13/2026</a:t>
+              <a:t>1/20/2026</a:t>
             </a:fld>
             <a:endParaRPr lang="en-US"/>
           </a:p>
@@ -1897,7 +1897,7 @@
           <a:p>
             <a:fld id="{5BCAD085-E8A6-8845-BD4E-CB4CCA059FC4}" type="datetimeFigureOut">
               <a:rPr lang="en-US" smtClean="0"/>
-              <a:t>1/13/2026</a:t>
+              <a:t>1/20/2026</a:t>
             </a:fld>
             <a:endParaRPr lang="en-US"/>
           </a:p>
@@ -1992,7 +1992,7 @@
           <a:p>
             <a:fld id="{5BCAD085-E8A6-8845-BD4E-CB4CCA059FC4}" type="datetimeFigureOut">
               <a:rPr lang="en-US" smtClean="0"/>
-              <a:t>1/13/2026</a:t>
+              <a:t>1/20/2026</a:t>
             </a:fld>
             <a:endParaRPr lang="en-US"/>
           </a:p>
@@ -2267,7 +2267,7 @@
           <a:p>
             <a:fld id="{5BCAD085-E8A6-8845-BD4E-CB4CCA059FC4}" type="datetimeFigureOut">
               <a:rPr lang="en-US" smtClean="0"/>
-              <a:t>1/13/2026</a:t>
+              <a:t>1/20/2026</a:t>
             </a:fld>
             <a:endParaRPr lang="en-US"/>
           </a:p>
@@ -2519,7 +2519,7 @@
           <a:p>
             <a:fld id="{5BCAD085-E8A6-8845-BD4E-CB4CCA059FC4}" type="datetimeFigureOut">
               <a:rPr lang="en-US" smtClean="0"/>
-              <a:t>1/13/2026</a:t>
+              <a:t>1/20/2026</a:t>
             </a:fld>
             <a:endParaRPr lang="en-US"/>
           </a:p>
@@ -2730,7 +2730,7 @@
           <a:p>
             <a:fld id="{5BCAD085-E8A6-8845-BD4E-CB4CCA059FC4}" type="datetimeFigureOut">
               <a:rPr lang="en-US" smtClean="0"/>
-              <a:t>1/13/2026</a:t>
+              <a:t>1/20/2026</a:t>
             </a:fld>
             <a:endParaRPr lang="en-US"/>
           </a:p>
@@ -3856,7 +3856,7 @@
         <p:spPr>
           <a:xfrm>
             <a:off x="8686800" y="3474720"/>
-            <a:ext cx="2560320" cy="457200"/>
+            <a:ext cx="2560320" cy="307777"/>
           </a:xfrm>
           <a:prstGeom prst="rect">
             <a:avLst/>
@@ -3871,14 +3871,31 @@
           <a:p>
             <a:pPr algn="l"/>
             <a:r>
-              <a:rPr sz="1400" b="0" i="0">
+              <a:rPr sz="1400" b="0" i="0" dirty="0" err="1">
                 <a:solidFill>
                   <a:srgbClr val="645037"/>
                 </a:solidFill>
                 <a:latin typeface="Microsoft YaHei"/>
               </a:rPr>
-              <a:t>自然語言編程</a:t>
-            </a:r>
+              <a:t>自然語言</a:t>
+            </a:r>
+            <a:r>
+              <a:rPr lang="zh-TW" altLang="en-US" sz="1400" b="0" i="0" dirty="0">
+                <a:solidFill>
+                  <a:srgbClr val="645037"/>
+                </a:solidFill>
+                <a:latin typeface="Microsoft YaHei" panose="020B0503020204020204" pitchFamily="34" charset="-122"/>
+                <a:ea typeface="Microsoft YaHei" panose="020B0503020204020204" pitchFamily="34" charset="-122"/>
+              </a:rPr>
+              <a:t>開發</a:t>
+            </a:r>
+            <a:endParaRPr sz="1400" b="0" i="0" dirty="0">
+              <a:solidFill>
+                <a:srgbClr val="645037"/>
+              </a:solidFill>
+              <a:latin typeface="Microsoft YaHei" panose="020B0503020204020204" pitchFamily="34" charset="-122"/>
+              <a:ea typeface="Microsoft YaHei" panose="020B0503020204020204" pitchFamily="34" charset="-122"/>
+            </a:endParaRPr>
           </a:p>
         </p:txBody>
       </p:sp>
@@ -12017,7 +12034,7 @@
         <p:spPr>
           <a:xfrm>
             <a:off x="5577840" y="1965960"/>
-            <a:ext cx="5760720" cy="640080"/>
+            <a:ext cx="5760720" cy="830997"/>
           </a:xfrm>
           <a:prstGeom prst="rect">
             <a:avLst/>
@@ -12032,13 +12049,68 @@
           <a:p>
             <a:pPr algn="l"/>
             <a:r>
-              <a:rPr sz="1600" b="0" i="0">
+              <a:rPr sz="1600" b="0" i="0" dirty="0">
                 <a:solidFill>
                   <a:srgbClr val="3C2D1E"/>
                 </a:solidFill>
                 <a:latin typeface="Microsoft YaHei"/>
               </a:rPr>
-              <a:t>Vibe Coding 代表了對底層實現細節的徹底放棄。正如我們不再關心記憶體寄存器，未來我們也將不再關心 API 的具體語法。</a:t>
+              <a:t>Vibe Coding </a:t>
+            </a:r>
+            <a:r>
+              <a:rPr sz="1600" b="0" i="0" dirty="0" err="1">
+                <a:solidFill>
+                  <a:srgbClr val="3C2D1E"/>
+                </a:solidFill>
+                <a:latin typeface="Microsoft YaHei"/>
+              </a:rPr>
+              <a:t>代表了對底層實現細節的徹底放棄。正如我們不再關心記憶體</a:t>
+            </a:r>
+            <a:r>
+              <a:rPr lang="zh-TW" altLang="en-US" sz="1600" b="0" i="0" dirty="0">
+                <a:solidFill>
+                  <a:srgbClr val="3C2D1E"/>
+                </a:solidFill>
+                <a:latin typeface="Microsoft YaHei" panose="020B0503020204020204" pitchFamily="34" charset="-122"/>
+                <a:ea typeface="Microsoft YaHei" panose="020B0503020204020204" pitchFamily="34" charset="-122"/>
+              </a:rPr>
+              <a:t>暫</a:t>
+            </a:r>
+            <a:r>
+              <a:rPr sz="1600" b="0" i="0" dirty="0" err="1">
+                <a:solidFill>
+                  <a:srgbClr val="3C2D1E"/>
+                </a:solidFill>
+                <a:latin typeface="Microsoft YaHei"/>
+              </a:rPr>
+              <a:t>存器，未來我們也將不再關心</a:t>
+            </a:r>
+            <a:r>
+              <a:rPr sz="1600" b="0" i="0" dirty="0">
+                <a:solidFill>
+                  <a:srgbClr val="3C2D1E"/>
+                </a:solidFill>
+                <a:latin typeface="Microsoft YaHei"/>
+              </a:rPr>
+              <a:t> API </a:t>
+            </a:r>
+            <a:r>
+              <a:rPr sz="1600" b="0" i="0" dirty="0" err="1">
+                <a:solidFill>
+                  <a:srgbClr val="3C2D1E"/>
+                </a:solidFill>
+                <a:latin typeface="Microsoft YaHei"/>
+              </a:rPr>
+              <a:t>的具體語法</a:t>
+            </a:r>
+            <a:r>
+              <a:rPr sz="1600" b="0" i="0" dirty="0">
+                <a:solidFill>
+                  <a:srgbClr val="3C2D1E"/>
+                </a:solidFill>
+                <a:latin typeface="Microsoft YaHei"/>
+              </a:rPr>
+              <a:t>。</a:t>
             </a:r>
           </a:p>
         </p:txBody>
@@ -12111,13 +12183,22 @@
           <a:p>
             <a:pPr algn="l"/>
             <a:r>
-              <a:rPr sz="1800" b="1" i="0">
+              <a:rPr sz="1800" b="1" i="0" dirty="0" err="1">
                 <a:solidFill>
                   <a:srgbClr val="B48C5A"/>
                 </a:solidFill>
                 <a:latin typeface="Microsoft YaHei"/>
               </a:rPr>
-              <a:t>關鍵轉變：</a:t>
+              <a:t>關鍵轉變</a:t>
+            </a:r>
+            <a:r>
+              <a:rPr sz="1800" b="1" i="0" dirty="0">
+                <a:solidFill>
+                  <a:srgbClr val="B48C5A"/>
+                </a:solidFill>
+                <a:latin typeface="Microsoft YaHei"/>
+              </a:rPr>
+              <a:t>：</a:t>
             </a:r>
           </a:p>
         </p:txBody>
@@ -12758,7 +12839,7 @@
         <p:spPr>
           <a:xfrm>
             <a:off x="5486400" y="3474720"/>
-            <a:ext cx="2560320" cy="457200"/>
+            <a:ext cx="2560320" cy="307777"/>
           </a:xfrm>
           <a:prstGeom prst="rect">
             <a:avLst/>
@@ -12773,14 +12854,29 @@
           <a:p>
             <a:pPr algn="l"/>
             <a:r>
-              <a:rPr sz="1400" b="0" i="0">
+              <a:rPr sz="1400" b="0" i="0" dirty="0" err="1">
                 <a:solidFill>
                   <a:srgbClr val="645037"/>
                 </a:solidFill>
                 <a:latin typeface="Microsoft YaHei"/>
               </a:rPr>
-              <a:t>物理媒介編程</a:t>
-            </a:r>
+              <a:t>物理媒介</a:t>
+            </a:r>
+            <a:r>
+              <a:rPr lang="zh-TW" altLang="en-US" sz="1400" b="0" i="0" dirty="0">
+                <a:solidFill>
+                  <a:srgbClr val="645037"/>
+                </a:solidFill>
+                <a:latin typeface="Microsoft YaHei"/>
+              </a:rPr>
+              <a:t>開發</a:t>
+            </a:r>
+            <a:endParaRPr sz="1400" b="0" i="0" dirty="0">
+              <a:solidFill>
+                <a:srgbClr val="645037"/>
+              </a:solidFill>
+              <a:latin typeface="Microsoft YaHei"/>
+            </a:endParaRPr>
           </a:p>
         </p:txBody>
       </p:sp>
@@ -12837,7 +12933,7 @@
         <p:spPr>
           <a:xfrm>
             <a:off x="8686800" y="3108960"/>
-            <a:ext cx="2560320" cy="320040"/>
+            <a:ext cx="2560320" cy="338554"/>
           </a:xfrm>
           <a:prstGeom prst="rect">
             <a:avLst/>
@@ -12852,14 +12948,30 @@
           <a:p>
             <a:pPr algn="l"/>
             <a:r>
-              <a:rPr sz="1600" b="1" i="0">
+              <a:rPr lang="zh-TW" altLang="en-US" sz="1600" b="1" i="0" dirty="0">
                 <a:solidFill>
                   <a:srgbClr val="B48C5A"/>
                 </a:solidFill>
-                <a:latin typeface="Microsoft YaHei"/>
-              </a:rPr>
-              <a:t>彙編語言</a:t>
-            </a:r>
+                <a:latin typeface="Microsoft YaHei" panose="020B0503020204020204" pitchFamily="34" charset="-122"/>
+                <a:ea typeface="Microsoft YaHei" panose="020B0503020204020204" pitchFamily="34" charset="-122"/>
+              </a:rPr>
+              <a:t>組合</a:t>
+            </a:r>
+            <a:r>
+              <a:rPr sz="1600" b="1" i="0" dirty="0" err="1">
+                <a:solidFill>
+                  <a:srgbClr val="B48C5A"/>
+                </a:solidFill>
+                <a:latin typeface="Microsoft YaHei"/>
+              </a:rPr>
+              <a:t>語言</a:t>
+            </a:r>
+            <a:endParaRPr sz="1600" b="1" i="0" dirty="0">
+              <a:solidFill>
+                <a:srgbClr val="B48C5A"/>
+              </a:solidFill>
+              <a:latin typeface="Microsoft YaHei"/>
+            </a:endParaRPr>
           </a:p>
         </p:txBody>
       </p:sp>
@@ -12872,7 +12984,7 @@
         <p:spPr>
           <a:xfrm>
             <a:off x="8686800" y="3474720"/>
-            <a:ext cx="2560320" cy="457200"/>
+            <a:ext cx="2560320" cy="307777"/>
           </a:xfrm>
           <a:prstGeom prst="rect">
             <a:avLst/>
@@ -12887,14 +12999,41 @@
           <a:p>
             <a:pPr algn="l"/>
             <a:r>
-              <a:rPr sz="1400" b="0" i="0">
+              <a:rPr sz="1400" b="0" i="0" dirty="0" err="1">
                 <a:solidFill>
                   <a:srgbClr val="645037"/>
                 </a:solidFill>
                 <a:latin typeface="Microsoft YaHei"/>
               </a:rPr>
-              <a:t>助記符編碼</a:t>
-            </a:r>
+              <a:t>助記</a:t>
+            </a:r>
+            <a:r>
+              <a:rPr sz="1400" b="0" i="0" dirty="0" err="1">
+                <a:solidFill>
+                  <a:srgbClr val="645037"/>
+                </a:solidFill>
+                <a:latin typeface="Microsoft YaHei" panose="020B0503020204020204" pitchFamily="34" charset="-122"/>
+                <a:ea typeface="Microsoft YaHei" panose="020B0503020204020204" pitchFamily="34" charset="-122"/>
+              </a:rPr>
+              <a:t>符</a:t>
+            </a:r>
+            <a:r>
+              <a:rPr lang="zh-TW" altLang="en-US" sz="1400" b="0" i="0" dirty="0">
+                <a:solidFill>
+                  <a:srgbClr val="645037"/>
+                </a:solidFill>
+                <a:latin typeface="Microsoft YaHei" panose="020B0503020204020204" pitchFamily="34" charset="-122"/>
+                <a:ea typeface="Microsoft YaHei" panose="020B0503020204020204" pitchFamily="34" charset="-122"/>
+              </a:rPr>
+              <a:t>號開發</a:t>
+            </a:r>
+            <a:endParaRPr sz="1400" b="0" i="0" dirty="0">
+              <a:solidFill>
+                <a:srgbClr val="645037"/>
+              </a:solidFill>
+              <a:latin typeface="Microsoft YaHei" panose="020B0503020204020204" pitchFamily="34" charset="-122"/>
+              <a:ea typeface="Microsoft YaHei" panose="020B0503020204020204" pitchFamily="34" charset="-122"/>
+            </a:endParaRPr>
           </a:p>
         </p:txBody>
       </p:sp>
